--- a/docs/diagrams/LogicComponentClassDiagram.pptx
+++ b/docs/diagrams/LogicComponentClassDiagram.pptx
@@ -126,10 +126,6 @@
 </p:presentation>
 </file>
 
-<file path=ppt/revisionInfo.xml><?xml version="1.0" encoding="utf-8"?>
-<p1510:revInfo xmlns:a="http://schemas.openxmlformats.org/drawingml/2006/main" xmlns:r="http://schemas.openxmlformats.org/officeDocument/2006/relationships" xmlns:p1510="http://schemas.microsoft.com/office/powerpoint/2015/10/main"/>
-</file>
-
 <file path=ppt/notesMasters/notesMaster1.xml><?xml version="1.0" encoding="utf-8"?>
 <p:notesMaster xmlns:a="http://schemas.openxmlformats.org/drawingml/2006/main" xmlns:r="http://schemas.openxmlformats.org/officeDocument/2006/relationships" xmlns:p="http://schemas.openxmlformats.org/presentationml/2006/main">
   <p:cSld>
@@ -212,7 +208,7 @@
           <a:p>
             <a:fld id="{F5CC4B3F-88C1-4FFA-B1B6-F41C21DC6924}" type="datetimeFigureOut">
               <a:rPr lang="en-US" smtClean="0"/>
-              <a:t>4/16/2018</a:t>
+              <a:t>4/10/2019</a:t>
             </a:fld>
             <a:endParaRPr lang="en-US"/>
           </a:p>
@@ -658,7 +654,7 @@
           <a:p>
             <a:fld id="{78C97017-6FC3-485B-9764-EAC9E56C1D49}" type="datetimeFigureOut">
               <a:rPr lang="en-US" smtClean="0"/>
-              <a:t>4/16/2018</a:t>
+              <a:t>4/10/2019</a:t>
             </a:fld>
             <a:endParaRPr lang="en-US"/>
           </a:p>
@@ -826,7 +822,7 @@
           <a:p>
             <a:fld id="{78C97017-6FC3-485B-9764-EAC9E56C1D49}" type="datetimeFigureOut">
               <a:rPr lang="en-US" smtClean="0"/>
-              <a:t>4/16/2018</a:t>
+              <a:t>4/10/2019</a:t>
             </a:fld>
             <a:endParaRPr lang="en-US"/>
           </a:p>
@@ -1004,7 +1000,7 @@
           <a:p>
             <a:fld id="{78C97017-6FC3-485B-9764-EAC9E56C1D49}" type="datetimeFigureOut">
               <a:rPr lang="en-US" smtClean="0"/>
-              <a:t>4/16/2018</a:t>
+              <a:t>4/10/2019</a:t>
             </a:fld>
             <a:endParaRPr lang="en-US"/>
           </a:p>
@@ -1172,7 +1168,7 @@
           <a:p>
             <a:fld id="{78C97017-6FC3-485B-9764-EAC9E56C1D49}" type="datetimeFigureOut">
               <a:rPr lang="en-US" smtClean="0"/>
-              <a:t>4/16/2018</a:t>
+              <a:t>4/10/2019</a:t>
             </a:fld>
             <a:endParaRPr lang="en-US"/>
           </a:p>
@@ -1417,7 +1413,7 @@
           <a:p>
             <a:fld id="{78C97017-6FC3-485B-9764-EAC9E56C1D49}" type="datetimeFigureOut">
               <a:rPr lang="en-US" smtClean="0"/>
-              <a:t>4/16/2018</a:t>
+              <a:t>4/10/2019</a:t>
             </a:fld>
             <a:endParaRPr lang="en-US"/>
           </a:p>
@@ -1702,7 +1698,7 @@
           <a:p>
             <a:fld id="{78C97017-6FC3-485B-9764-EAC9E56C1D49}" type="datetimeFigureOut">
               <a:rPr lang="en-US" smtClean="0"/>
-              <a:t>4/16/2018</a:t>
+              <a:t>4/10/2019</a:t>
             </a:fld>
             <a:endParaRPr lang="en-US"/>
           </a:p>
@@ -2121,7 +2117,7 @@
           <a:p>
             <a:fld id="{78C97017-6FC3-485B-9764-EAC9E56C1D49}" type="datetimeFigureOut">
               <a:rPr lang="en-US" smtClean="0"/>
-              <a:t>4/16/2018</a:t>
+              <a:t>4/10/2019</a:t>
             </a:fld>
             <a:endParaRPr lang="en-US"/>
           </a:p>
@@ -2238,7 +2234,7 @@
           <a:p>
             <a:fld id="{78C97017-6FC3-485B-9764-EAC9E56C1D49}" type="datetimeFigureOut">
               <a:rPr lang="en-US" smtClean="0"/>
-              <a:t>4/16/2018</a:t>
+              <a:t>4/10/2019</a:t>
             </a:fld>
             <a:endParaRPr lang="en-US"/>
           </a:p>
@@ -2333,7 +2329,7 @@
           <a:p>
             <a:fld id="{78C97017-6FC3-485B-9764-EAC9E56C1D49}" type="datetimeFigureOut">
               <a:rPr lang="en-US" smtClean="0"/>
-              <a:t>4/16/2018</a:t>
+              <a:t>4/10/2019</a:t>
             </a:fld>
             <a:endParaRPr lang="en-US"/>
           </a:p>
@@ -2608,7 +2604,7 @@
           <a:p>
             <a:fld id="{78C97017-6FC3-485B-9764-EAC9E56C1D49}" type="datetimeFigureOut">
               <a:rPr lang="en-US" smtClean="0"/>
-              <a:t>4/16/2018</a:t>
+              <a:t>4/10/2019</a:t>
             </a:fld>
             <a:endParaRPr lang="en-US"/>
           </a:p>
@@ -2860,7 +2856,7 @@
           <a:p>
             <a:fld id="{78C97017-6FC3-485B-9764-EAC9E56C1D49}" type="datetimeFigureOut">
               <a:rPr lang="en-US" smtClean="0"/>
-              <a:t>4/16/2018</a:t>
+              <a:t>4/10/2019</a:t>
             </a:fld>
             <a:endParaRPr lang="en-US"/>
           </a:p>
@@ -3071,7 +3067,7 @@
           <a:p>
             <a:fld id="{78C97017-6FC3-485B-9764-EAC9E56C1D49}" type="datetimeFigureOut">
               <a:rPr lang="en-US" smtClean="0"/>
-              <a:t>4/16/2018</a:t>
+              <a:t>4/10/2019</a:t>
             </a:fld>
             <a:endParaRPr lang="en-US"/>
           </a:p>
@@ -3574,7 +3570,7 @@
         </p:nvSpPr>
         <p:spPr>
           <a:xfrm flipH="1">
-            <a:off x="6878274" y="2740152"/>
+            <a:off x="6878274" y="2540373"/>
             <a:ext cx="970326" cy="346760"/>
           </a:xfrm>
           <a:prstGeom prst="rect">
@@ -3607,7 +3603,7 @@
           <a:p>
             <a:pPr algn="ctr"/>
             <a:r>
-              <a:rPr lang="en-US" sz="1050" b="1" dirty="0" err="1" smtClean="0">
+              <a:rPr lang="en-US" sz="1050" b="1" dirty="0" err="1">
                 <a:solidFill>
                   <a:srgbClr val="0070C0"/>
                 </a:solidFill>
@@ -3939,28 +3935,12 @@
           <a:p>
             <a:pPr algn="ctr"/>
             <a:r>
-              <a:rPr lang="en-US" sz="1050" dirty="0" err="1" smtClean="0">
+              <a:rPr lang="en-US" sz="1050" dirty="0" err="1">
                 <a:solidFill>
                   <a:schemeClr val="bg1"/>
                 </a:solidFill>
               </a:rPr>
-              <a:t>AddressBook</a:t>
-            </a:r>
-            <a:endParaRPr lang="en-US" sz="1050" dirty="0">
-              <a:solidFill>
-                <a:schemeClr val="bg1"/>
-              </a:solidFill>
-            </a:endParaRPr>
-          </a:p>
-          <a:p>
-            <a:pPr algn="ctr"/>
-            <a:r>
-              <a:rPr lang="en-US" sz="1050" dirty="0">
-                <a:solidFill>
-                  <a:schemeClr val="bg1"/>
-                </a:solidFill>
-              </a:rPr>
-              <a:t>Parser</a:t>
+              <a:t>ParserManager</a:t>
             </a:r>
             <a:endParaRPr lang="en-SG" sz="1050" dirty="0">
               <a:solidFill>
@@ -4582,373 +4562,6 @@
           </a:fontRef>
         </p:style>
       </p:cxnSp>
-      <p:sp>
-        <p:nvSpPr>
-          <p:cNvPr id="56" name="Rectangle 62"/>
-          <p:cNvSpPr/>
-          <p:nvPr/>
-        </p:nvSpPr>
-        <p:spPr>
-          <a:xfrm>
-            <a:off x="3174214" y="1862795"/>
-            <a:ext cx="751107" cy="346760"/>
-          </a:xfrm>
-          <a:prstGeom prst="rect">
-            <a:avLst/>
-          </a:prstGeom>
-          <a:solidFill>
-            <a:schemeClr val="accent5">
-              <a:lumMod val="60000"/>
-              <a:lumOff val="40000"/>
-            </a:schemeClr>
-          </a:solidFill>
-          <a:ln w="19050">
-            <a:solidFill>
-              <a:schemeClr val="accent5">
-                <a:lumMod val="60000"/>
-                <a:lumOff val="40000"/>
-              </a:schemeClr>
-            </a:solidFill>
-          </a:ln>
-          <a:effectLst/>
-        </p:spPr>
-        <p:style>
-          <a:lnRef idx="1">
-            <a:schemeClr val="accent2"/>
-          </a:lnRef>
-          <a:fillRef idx="2">
-            <a:schemeClr val="accent2"/>
-          </a:fillRef>
-          <a:effectRef idx="1">
-            <a:schemeClr val="accent2"/>
-          </a:effectRef>
-          <a:fontRef idx="minor">
-            <a:schemeClr val="dk1"/>
-          </a:fontRef>
-        </p:style>
-        <p:txBody>
-          <a:bodyPr rtlCol="0" anchor="ctr"/>
-          <a:lstStyle/>
-          <a:p>
-            <a:pPr algn="ctr"/>
-            <a:r>
-              <a:rPr lang="en-US" sz="1050">
-                <a:solidFill>
-                  <a:schemeClr val="bg1"/>
-                </a:solidFill>
-              </a:rPr>
-              <a:t>Argument</a:t>
-            </a:r>
-            <a:br>
-              <a:rPr lang="en-US" sz="1050">
-                <a:solidFill>
-                  <a:schemeClr val="bg1"/>
-                </a:solidFill>
-              </a:rPr>
-            </a:br>
-            <a:r>
-              <a:rPr lang="en-US" sz="1050">
-                <a:solidFill>
-                  <a:schemeClr val="bg1"/>
-                </a:solidFill>
-              </a:rPr>
-              <a:t>Tokenizer</a:t>
-            </a:r>
-            <a:endParaRPr lang="en-SG" sz="1050" dirty="0">
-              <a:solidFill>
-                <a:schemeClr val="bg1"/>
-              </a:solidFill>
-            </a:endParaRPr>
-          </a:p>
-        </p:txBody>
-      </p:sp>
-      <p:sp>
-        <p:nvSpPr>
-          <p:cNvPr id="58" name="Rectangle 62"/>
-          <p:cNvSpPr/>
-          <p:nvPr/>
-        </p:nvSpPr>
-        <p:spPr>
-          <a:xfrm>
-            <a:off x="2238496" y="2454481"/>
-            <a:ext cx="726243" cy="174580"/>
-          </a:xfrm>
-          <a:prstGeom prst="rect">
-            <a:avLst/>
-          </a:prstGeom>
-          <a:solidFill>
-            <a:schemeClr val="accent5">
-              <a:lumMod val="60000"/>
-              <a:lumOff val="40000"/>
-            </a:schemeClr>
-          </a:solidFill>
-          <a:ln w="19050">
-            <a:solidFill>
-              <a:schemeClr val="accent5">
-                <a:lumMod val="60000"/>
-                <a:lumOff val="40000"/>
-              </a:schemeClr>
-            </a:solidFill>
-          </a:ln>
-          <a:effectLst/>
-        </p:spPr>
-        <p:style>
-          <a:lnRef idx="1">
-            <a:schemeClr val="accent2"/>
-          </a:lnRef>
-          <a:fillRef idx="2">
-            <a:schemeClr val="accent2"/>
-          </a:fillRef>
-          <a:effectRef idx="1">
-            <a:schemeClr val="accent2"/>
-          </a:effectRef>
-          <a:fontRef idx="minor">
-            <a:schemeClr val="dk1"/>
-          </a:fontRef>
-        </p:style>
-        <p:txBody>
-          <a:bodyPr rtlCol="0" anchor="ctr"/>
-          <a:lstStyle/>
-          <a:p>
-            <a:pPr algn="ctr"/>
-            <a:r>
-              <a:rPr lang="en-US" sz="1050" dirty="0">
-                <a:solidFill>
-                  <a:schemeClr val="bg1"/>
-                </a:solidFill>
-              </a:rPr>
-              <a:t>Prefix</a:t>
-            </a:r>
-            <a:endParaRPr lang="en-SG" sz="1050" dirty="0">
-              <a:solidFill>
-                <a:schemeClr val="bg1"/>
-              </a:solidFill>
-            </a:endParaRPr>
-          </a:p>
-        </p:txBody>
-      </p:sp>
-      <p:sp>
-        <p:nvSpPr>
-          <p:cNvPr id="60" name="Rectangle 62"/>
-          <p:cNvSpPr/>
-          <p:nvPr/>
-        </p:nvSpPr>
-        <p:spPr>
-          <a:xfrm>
-            <a:off x="3186326" y="2841725"/>
-            <a:ext cx="731636" cy="283820"/>
-          </a:xfrm>
-          <a:prstGeom prst="rect">
-            <a:avLst/>
-          </a:prstGeom>
-          <a:solidFill>
-            <a:schemeClr val="accent5">
-              <a:lumMod val="60000"/>
-              <a:lumOff val="40000"/>
-            </a:schemeClr>
-          </a:solidFill>
-          <a:ln w="19050">
-            <a:solidFill>
-              <a:schemeClr val="accent5">
-                <a:lumMod val="60000"/>
-                <a:lumOff val="40000"/>
-              </a:schemeClr>
-            </a:solidFill>
-          </a:ln>
-          <a:effectLst/>
-        </p:spPr>
-        <p:style>
-          <a:lnRef idx="1">
-            <a:schemeClr val="accent2"/>
-          </a:lnRef>
-          <a:fillRef idx="2">
-            <a:schemeClr val="accent2"/>
-          </a:fillRef>
-          <a:effectRef idx="1">
-            <a:schemeClr val="accent2"/>
-          </a:effectRef>
-          <a:fontRef idx="minor">
-            <a:schemeClr val="dk1"/>
-          </a:fontRef>
-        </p:style>
-        <p:txBody>
-          <a:bodyPr rtlCol="0" anchor="ctr"/>
-          <a:lstStyle/>
-          <a:p>
-            <a:pPr algn="ctr"/>
-            <a:r>
-              <a:rPr lang="en-SG" sz="1050" dirty="0" err="1">
-                <a:solidFill>
-                  <a:schemeClr val="bg1"/>
-                </a:solidFill>
-              </a:rPr>
-              <a:t>CliSyntax</a:t>
-            </a:r>
-            <a:endParaRPr lang="en-SG" sz="1050" dirty="0">
-              <a:solidFill>
-                <a:schemeClr val="bg1"/>
-              </a:solidFill>
-            </a:endParaRPr>
-          </a:p>
-        </p:txBody>
-      </p:sp>
-      <p:sp>
-        <p:nvSpPr>
-          <p:cNvPr id="62" name="Rectangle 62"/>
-          <p:cNvSpPr/>
-          <p:nvPr/>
-        </p:nvSpPr>
-        <p:spPr>
-          <a:xfrm>
-            <a:off x="3186326" y="3190882"/>
-            <a:ext cx="731636" cy="283820"/>
-          </a:xfrm>
-          <a:prstGeom prst="rect">
-            <a:avLst/>
-          </a:prstGeom>
-          <a:solidFill>
-            <a:schemeClr val="accent5">
-              <a:lumMod val="60000"/>
-              <a:lumOff val="40000"/>
-            </a:schemeClr>
-          </a:solidFill>
-          <a:ln w="19050">
-            <a:solidFill>
-              <a:schemeClr val="accent5">
-                <a:lumMod val="60000"/>
-                <a:lumOff val="40000"/>
-              </a:schemeClr>
-            </a:solidFill>
-          </a:ln>
-          <a:effectLst/>
-        </p:spPr>
-        <p:style>
-          <a:lnRef idx="1">
-            <a:schemeClr val="accent2"/>
-          </a:lnRef>
-          <a:fillRef idx="2">
-            <a:schemeClr val="accent2"/>
-          </a:fillRef>
-          <a:effectRef idx="1">
-            <a:schemeClr val="accent2"/>
-          </a:effectRef>
-          <a:fontRef idx="minor">
-            <a:schemeClr val="dk1"/>
-          </a:fontRef>
-        </p:style>
-        <p:txBody>
-          <a:bodyPr rtlCol="0" anchor="ctr"/>
-          <a:lstStyle/>
-          <a:p>
-            <a:pPr algn="ctr"/>
-            <a:r>
-              <a:rPr lang="en-SG" sz="1050" dirty="0" err="1">
-                <a:solidFill>
-                  <a:schemeClr val="bg1"/>
-                </a:solidFill>
-              </a:rPr>
-              <a:t>ParserUtil</a:t>
-            </a:r>
-            <a:endParaRPr lang="en-SG" sz="1050" dirty="0">
-              <a:solidFill>
-                <a:schemeClr val="bg1"/>
-              </a:solidFill>
-            </a:endParaRPr>
-          </a:p>
-        </p:txBody>
-      </p:sp>
-      <p:cxnSp>
-        <p:nvCxnSpPr>
-          <p:cNvPr id="13" name="Elbow Connector 12"/>
-          <p:cNvCxnSpPr>
-            <a:cxnSpLocks/>
-            <a:stCxn id="60" idx="1"/>
-            <a:endCxn id="58" idx="2"/>
-          </p:cNvCxnSpPr>
-          <p:nvPr/>
-        </p:nvCxnSpPr>
-        <p:spPr>
-          <a:xfrm rot="10800000">
-            <a:off x="2601618" y="2629061"/>
-            <a:ext cx="584708" cy="354574"/>
-          </a:xfrm>
-          <a:prstGeom prst="bentConnector2">
-            <a:avLst/>
-          </a:prstGeom>
-          <a:ln w="19050">
-            <a:solidFill>
-              <a:schemeClr val="accent5">
-                <a:lumMod val="60000"/>
-                <a:lumOff val="40000"/>
-              </a:schemeClr>
-            </a:solidFill>
-            <a:prstDash val="sysDot"/>
-            <a:headEnd type="none" w="med" len="med"/>
-            <a:tailEnd type="arrow" w="med" len="med"/>
-          </a:ln>
-          <a:effectLst/>
-        </p:spPr>
-        <p:style>
-          <a:lnRef idx="1">
-            <a:schemeClr val="accent2"/>
-          </a:lnRef>
-          <a:fillRef idx="2">
-            <a:schemeClr val="accent2"/>
-          </a:fillRef>
-          <a:effectRef idx="1">
-            <a:schemeClr val="accent2"/>
-          </a:effectRef>
-          <a:fontRef idx="minor">
-            <a:schemeClr val="dk1"/>
-          </a:fontRef>
-        </p:style>
-      </p:cxnSp>
-      <p:cxnSp>
-        <p:nvCxnSpPr>
-          <p:cNvPr id="50" name="Elbow Connector 49"/>
-          <p:cNvCxnSpPr>
-            <a:cxnSpLocks/>
-            <a:stCxn id="56" idx="1"/>
-            <a:endCxn id="58" idx="0"/>
-          </p:cNvCxnSpPr>
-          <p:nvPr/>
-        </p:nvCxnSpPr>
-        <p:spPr>
-          <a:xfrm rot="10800000" flipV="1">
-            <a:off x="2601618" y="2036175"/>
-            <a:ext cx="572596" cy="418306"/>
-          </a:xfrm>
-          <a:prstGeom prst="bentConnector2">
-            <a:avLst/>
-          </a:prstGeom>
-          <a:ln w="19050">
-            <a:solidFill>
-              <a:schemeClr val="accent5">
-                <a:lumMod val="60000"/>
-                <a:lumOff val="40000"/>
-              </a:schemeClr>
-            </a:solidFill>
-            <a:prstDash val="sysDot"/>
-            <a:headEnd type="none" w="med" len="med"/>
-            <a:tailEnd type="arrow" w="med" len="med"/>
-          </a:ln>
-          <a:effectLst/>
-        </p:spPr>
-        <p:style>
-          <a:lnRef idx="1">
-            <a:schemeClr val="accent2"/>
-          </a:lnRef>
-          <a:fillRef idx="2">
-            <a:schemeClr val="accent2"/>
-          </a:fillRef>
-          <a:effectRef idx="1">
-            <a:schemeClr val="accent2"/>
-          </a:effectRef>
-          <a:fontRef idx="minor">
-            <a:schemeClr val="dk1"/>
-          </a:fontRef>
-        </p:style>
-      </p:cxnSp>
       <p:grpSp>
         <p:nvGrpSpPr>
           <p:cNvPr id="68" name="Group 67"/>
@@ -4957,10 +4570,10 @@
         </p:nvGrpSpPr>
         <p:grpSpPr>
           <a:xfrm rot="10800000">
-            <a:off x="4687086" y="3784757"/>
-            <a:ext cx="555486" cy="254462"/>
-            <a:chOff x="3703306" y="644022"/>
-            <a:chExt cx="555486" cy="230832"/>
+            <a:off x="3845899" y="2934932"/>
+            <a:ext cx="254462" cy="555486"/>
+            <a:chOff x="3823135" y="507282"/>
+            <a:chExt cx="254462" cy="503902"/>
           </a:xfrm>
         </p:grpSpPr>
         <p:sp>
@@ -4970,9 +4583,9 @@
             <p:nvPr/>
           </p:nvSpPr>
           <p:spPr>
-            <a:xfrm rot="10800000">
-              <a:off x="3703306" y="644022"/>
-              <a:ext cx="555486" cy="230832"/>
+            <a:xfrm rot="5400000">
+              <a:off x="3698415" y="632002"/>
+              <a:ext cx="503902" cy="254462"/>
             </a:xfrm>
             <a:prstGeom prst="rect">
               <a:avLst/>
@@ -5012,9 +4625,9 @@
             <p:nvPr/>
           </p:nvSpPr>
           <p:spPr>
-            <a:xfrm rot="5400000" flipV="1">
-              <a:off x="3700294" y="741689"/>
-              <a:ext cx="119885" cy="88141"/>
+            <a:xfrm flipV="1">
+              <a:off x="3931884" y="912916"/>
+              <a:ext cx="132158" cy="79956"/>
             </a:xfrm>
             <a:prstGeom prst="triangle">
               <a:avLst/>
@@ -5118,14 +4731,12 @@
           <p:nvPr/>
         </p:nvCxnSpPr>
         <p:spPr>
-          <a:xfrm rot="5400000" flipH="1" flipV="1">
-            <a:off x="6916385" y="3533423"/>
-            <a:ext cx="893563" cy="542"/>
-          </a:xfrm>
-          <a:prstGeom prst="bentConnector3">
-            <a:avLst>
-              <a:gd name="adj1" fmla="val 50000"/>
-            </a:avLst>
+          <a:xfrm flipV="1">
+            <a:off x="7362895" y="2887133"/>
+            <a:ext cx="542" cy="1093342"/>
+          </a:xfrm>
+          <a:prstGeom prst="straightConnector1">
+            <a:avLst/>
           </a:prstGeom>
           <a:ln w="19050">
             <a:headEnd type="none" w="med" len="med"/>
@@ -5158,14 +4769,12 @@
           <p:nvPr/>
         </p:nvCxnSpPr>
         <p:spPr>
-          <a:xfrm flipV="1">
-            <a:off x="6066328" y="2913532"/>
-            <a:ext cx="811946" cy="659"/>
-          </a:xfrm>
-          <a:prstGeom prst="bentConnector3">
-            <a:avLst>
-              <a:gd name="adj1" fmla="val 50000"/>
-            </a:avLst>
+          <a:xfrm>
+            <a:off x="4300741" y="2691465"/>
+            <a:ext cx="2577533" cy="22288"/>
+          </a:xfrm>
+          <a:prstGeom prst="straightConnector1">
+            <a:avLst/>
           </a:prstGeom>
           <a:ln w="19050">
             <a:solidFill>
@@ -5196,177 +4805,6 @@
       </p:cxnSp>
       <p:sp>
         <p:nvSpPr>
-          <p:cNvPr id="109" name="Rectangle 62"/>
-          <p:cNvSpPr/>
-          <p:nvPr/>
-        </p:nvSpPr>
-        <p:spPr>
-          <a:xfrm>
-            <a:off x="3174214" y="2370131"/>
-            <a:ext cx="750156" cy="340758"/>
-          </a:xfrm>
-          <a:prstGeom prst="rect">
-            <a:avLst/>
-          </a:prstGeom>
-          <a:solidFill>
-            <a:schemeClr val="accent5">
-              <a:lumMod val="60000"/>
-              <a:lumOff val="40000"/>
-            </a:schemeClr>
-          </a:solidFill>
-          <a:ln w="19050">
-            <a:solidFill>
-              <a:schemeClr val="accent5">
-                <a:lumMod val="60000"/>
-                <a:lumOff val="40000"/>
-              </a:schemeClr>
-            </a:solidFill>
-          </a:ln>
-          <a:effectLst/>
-        </p:spPr>
-        <p:style>
-          <a:lnRef idx="1">
-            <a:schemeClr val="accent2"/>
-          </a:lnRef>
-          <a:fillRef idx="2">
-            <a:schemeClr val="accent2"/>
-          </a:fillRef>
-          <a:effectRef idx="1">
-            <a:schemeClr val="accent2"/>
-          </a:effectRef>
-          <a:fontRef idx="minor">
-            <a:schemeClr val="dk1"/>
-          </a:fontRef>
-        </p:style>
-        <p:txBody>
-          <a:bodyPr rtlCol="0" anchor="ctr"/>
-          <a:lstStyle/>
-          <a:p>
-            <a:pPr algn="ctr"/>
-            <a:r>
-              <a:rPr lang="en-SG" sz="1050" dirty="0">
-                <a:solidFill>
-                  <a:schemeClr val="bg1"/>
-                </a:solidFill>
-              </a:rPr>
-              <a:t>Argument</a:t>
-            </a:r>
-            <a:br>
-              <a:rPr lang="en-SG" sz="1050" dirty="0">
-                <a:solidFill>
-                  <a:schemeClr val="bg1"/>
-                </a:solidFill>
-              </a:rPr>
-            </a:br>
-            <a:r>
-              <a:rPr lang="en-SG" sz="1050" dirty="0">
-                <a:solidFill>
-                  <a:schemeClr val="bg1"/>
-                </a:solidFill>
-              </a:rPr>
-              <a:t>Multimap</a:t>
-            </a:r>
-          </a:p>
-        </p:txBody>
-      </p:sp>
-      <p:cxnSp>
-        <p:nvCxnSpPr>
-          <p:cNvPr id="112" name="Elbow Connector 12"/>
-          <p:cNvCxnSpPr>
-            <a:cxnSpLocks/>
-            <a:stCxn id="109" idx="1"/>
-            <a:endCxn id="58" idx="3"/>
-          </p:cNvCxnSpPr>
-          <p:nvPr/>
-        </p:nvCxnSpPr>
-        <p:spPr>
-          <a:xfrm rot="10800000" flipV="1">
-            <a:off x="2964740" y="2540509"/>
-            <a:ext cx="209475" cy="1261"/>
-          </a:xfrm>
-          <a:prstGeom prst="bentConnector3">
-            <a:avLst>
-              <a:gd name="adj1" fmla="val 50000"/>
-            </a:avLst>
-          </a:prstGeom>
-          <a:ln w="19050">
-            <a:solidFill>
-              <a:schemeClr val="accent5">
-                <a:lumMod val="60000"/>
-                <a:lumOff val="40000"/>
-              </a:schemeClr>
-            </a:solidFill>
-            <a:prstDash val="sysDot"/>
-            <a:headEnd type="none" w="med" len="med"/>
-            <a:tailEnd type="arrow" w="med" len="med"/>
-          </a:ln>
-          <a:effectLst/>
-        </p:spPr>
-        <p:style>
-          <a:lnRef idx="1">
-            <a:schemeClr val="accent2"/>
-          </a:lnRef>
-          <a:fillRef idx="2">
-            <a:schemeClr val="accent2"/>
-          </a:fillRef>
-          <a:effectRef idx="1">
-            <a:schemeClr val="accent2"/>
-          </a:effectRef>
-          <a:fontRef idx="minor">
-            <a:schemeClr val="dk1"/>
-          </a:fontRef>
-        </p:style>
-      </p:cxnSp>
-      <p:cxnSp>
-        <p:nvCxnSpPr>
-          <p:cNvPr id="118" name="Elbow Connector 49"/>
-          <p:cNvCxnSpPr>
-            <a:cxnSpLocks/>
-            <a:stCxn id="56" idx="2"/>
-            <a:endCxn id="109" idx="0"/>
-          </p:cNvCxnSpPr>
-          <p:nvPr/>
-        </p:nvCxnSpPr>
-        <p:spPr>
-          <a:xfrm rot="5400000">
-            <a:off x="3469242" y="2289605"/>
-            <a:ext cx="160576" cy="476"/>
-          </a:xfrm>
-          <a:prstGeom prst="bentConnector3">
-            <a:avLst>
-              <a:gd name="adj1" fmla="val 50000"/>
-            </a:avLst>
-          </a:prstGeom>
-          <a:ln w="19050">
-            <a:solidFill>
-              <a:schemeClr val="accent5">
-                <a:lumMod val="60000"/>
-                <a:lumOff val="40000"/>
-              </a:schemeClr>
-            </a:solidFill>
-            <a:prstDash val="sysDot"/>
-            <a:headEnd type="none" w="med" len="med"/>
-            <a:tailEnd type="arrow" w="med" len="med"/>
-          </a:ln>
-          <a:effectLst/>
-        </p:spPr>
-        <p:style>
-          <a:lnRef idx="1">
-            <a:schemeClr val="accent2"/>
-          </a:lnRef>
-          <a:fillRef idx="2">
-            <a:schemeClr val="accent2"/>
-          </a:fillRef>
-          <a:effectRef idx="1">
-            <a:schemeClr val="accent2"/>
-          </a:effectRef>
-          <a:fontRef idx="minor">
-            <a:schemeClr val="dk1"/>
-          </a:fontRef>
-        </p:style>
-      </p:cxnSp>
-      <p:sp>
-        <p:nvSpPr>
           <p:cNvPr id="86" name="Rectangle 62"/>
           <p:cNvSpPr/>
           <p:nvPr/>
@@ -5409,7 +4847,7 @@
           <a:p>
             <a:pPr algn="ctr"/>
             <a:r>
-              <a:rPr lang="en-US" sz="1050">
+              <a:rPr lang="en-US" sz="1050" dirty="0">
                 <a:solidFill>
                   <a:schemeClr val="bg1"/>
                 </a:solidFill>
@@ -5526,7 +4964,7 @@
         </p:nvSpPr>
         <p:spPr>
           <a:xfrm flipH="1">
-            <a:off x="5067626" y="1981200"/>
+            <a:off x="3273070" y="1758417"/>
             <a:ext cx="998702" cy="346760"/>
           </a:xfrm>
           <a:prstGeom prst="rect">
@@ -5592,7 +5030,7 @@
         </p:nvSpPr>
         <p:spPr>
           <a:xfrm flipH="1">
-            <a:off x="5431725" y="2327960"/>
+            <a:off x="3670782" y="2114379"/>
             <a:ext cx="270504" cy="175523"/>
           </a:xfrm>
           <a:prstGeom prst="triangle">
@@ -5637,9 +5075,9 @@
         </p:nvGrpSpPr>
         <p:grpSpPr>
           <a:xfrm rot="5400000">
-            <a:off x="6371505" y="2788428"/>
+            <a:off x="5527244" y="2544826"/>
             <a:ext cx="222304" cy="598286"/>
-            <a:chOff x="3965759" y="592436"/>
+            <a:chOff x="3686918" y="1303508"/>
             <a:chExt cx="254462" cy="503902"/>
           </a:xfrm>
         </p:grpSpPr>
@@ -5651,7 +5089,7 @@
           </p:nvSpPr>
           <p:spPr>
             <a:xfrm rot="16200000">
-              <a:off x="3841039" y="717156"/>
+              <a:off x="3562198" y="1428228"/>
               <a:ext cx="503902" cy="254462"/>
             </a:xfrm>
             <a:prstGeom prst="rect">
@@ -5693,8 +5131,8 @@
           </p:nvSpPr>
           <p:spPr>
             <a:xfrm rot="10800000" flipV="1">
-              <a:off x="3995991" y="631624"/>
-              <a:ext cx="132157" cy="79956"/>
+              <a:off x="3717152" y="1342697"/>
+              <a:ext cx="132156" cy="79956"/>
             </a:xfrm>
             <a:prstGeom prst="triangle">
               <a:avLst/>
@@ -5781,7 +5219,7 @@
         </p:nvSpPr>
         <p:spPr>
           <a:xfrm flipH="1">
-            <a:off x="5074342" y="2740811"/>
+            <a:off x="3308755" y="2518085"/>
             <a:ext cx="991986" cy="346760"/>
           </a:xfrm>
           <a:prstGeom prst="rect">
@@ -5815,7 +5253,7 @@
           <a:p>
             <a:pPr algn="ctr"/>
             <a:r>
-              <a:rPr lang="en-US" sz="1050" b="1" dirty="0" err="1" smtClean="0">
+              <a:rPr lang="en-US" sz="1050" b="1" dirty="0" err="1">
                 <a:solidFill>
                   <a:schemeClr val="bg1"/>
                 </a:solidFill>
@@ -5848,207 +5286,19 @@
       </p:sp>
       <p:cxnSp>
         <p:nvCxnSpPr>
-          <p:cNvPr id="101" name="Elbow Connector 12"/>
+          <p:cNvPr id="51" name="Elbow Connector 50"/>
           <p:cNvCxnSpPr>
             <a:cxnSpLocks/>
-            <a:stCxn id="42" idx="3"/>
-          </p:cNvCxnSpPr>
-          <p:nvPr/>
-        </p:nvCxnSpPr>
-        <p:spPr>
-          <a:xfrm rot="10800000">
-            <a:off x="3917734" y="2058661"/>
-            <a:ext cx="1156608" cy="855530"/>
-          </a:xfrm>
-          <a:prstGeom prst="bentConnector3">
-            <a:avLst>
-              <a:gd name="adj1" fmla="val 50000"/>
-            </a:avLst>
-          </a:prstGeom>
-          <a:ln w="19050">
-            <a:solidFill>
-              <a:schemeClr val="accent5">
-                <a:lumMod val="60000"/>
-                <a:lumOff val="40000"/>
-              </a:schemeClr>
-            </a:solidFill>
-            <a:prstDash val="sysDot"/>
-            <a:headEnd type="none" w="med" len="med"/>
-            <a:tailEnd type="arrow" w="med" len="med"/>
-          </a:ln>
-          <a:effectLst/>
-        </p:spPr>
-        <p:style>
-          <a:lnRef idx="1">
-            <a:schemeClr val="accent2"/>
-          </a:lnRef>
-          <a:fillRef idx="2">
-            <a:schemeClr val="accent2"/>
-          </a:fillRef>
-          <a:effectRef idx="1">
-            <a:schemeClr val="accent2"/>
-          </a:effectRef>
-          <a:fontRef idx="minor">
-            <a:schemeClr val="dk1"/>
-          </a:fontRef>
-        </p:style>
-      </p:cxnSp>
-      <p:cxnSp>
-        <p:nvCxnSpPr>
-          <p:cNvPr id="102" name="Elbow Connector 12"/>
-          <p:cNvCxnSpPr>
-            <a:cxnSpLocks/>
-            <a:stCxn id="42" idx="3"/>
-          </p:cNvCxnSpPr>
-          <p:nvPr/>
-        </p:nvCxnSpPr>
-        <p:spPr>
-          <a:xfrm rot="10800000">
-            <a:off x="3921964" y="2540511"/>
-            <a:ext cx="1152379" cy="373681"/>
-          </a:xfrm>
-          <a:prstGeom prst="bentConnector3">
-            <a:avLst>
-              <a:gd name="adj1" fmla="val 50000"/>
-            </a:avLst>
-          </a:prstGeom>
-          <a:ln w="19050">
-            <a:solidFill>
-              <a:schemeClr val="accent5">
-                <a:lumMod val="60000"/>
-                <a:lumOff val="40000"/>
-              </a:schemeClr>
-            </a:solidFill>
-            <a:prstDash val="sysDot"/>
-            <a:headEnd type="none" w="med" len="med"/>
-            <a:tailEnd type="arrow" w="med" len="med"/>
-          </a:ln>
-          <a:effectLst/>
-        </p:spPr>
-        <p:style>
-          <a:lnRef idx="1">
-            <a:schemeClr val="accent2"/>
-          </a:lnRef>
-          <a:fillRef idx="2">
-            <a:schemeClr val="accent2"/>
-          </a:fillRef>
-          <a:effectRef idx="1">
-            <a:schemeClr val="accent2"/>
-          </a:effectRef>
-          <a:fontRef idx="minor">
-            <a:schemeClr val="dk1"/>
-          </a:fontRef>
-        </p:style>
-      </p:cxnSp>
-      <p:cxnSp>
-        <p:nvCxnSpPr>
-          <p:cNvPr id="103" name="Elbow Connector 12"/>
-          <p:cNvCxnSpPr>
-            <a:cxnSpLocks/>
-            <a:stCxn id="42" idx="3"/>
-          </p:cNvCxnSpPr>
-          <p:nvPr/>
-        </p:nvCxnSpPr>
-        <p:spPr>
-          <a:xfrm rot="10800000" flipV="1">
-            <a:off x="3926192" y="2914191"/>
-            <a:ext cx="1148150" cy="108168"/>
-          </a:xfrm>
-          <a:prstGeom prst="bentConnector3">
-            <a:avLst>
-              <a:gd name="adj1" fmla="val 50000"/>
-            </a:avLst>
-          </a:prstGeom>
-          <a:ln w="19050">
-            <a:solidFill>
-              <a:schemeClr val="accent5">
-                <a:lumMod val="60000"/>
-                <a:lumOff val="40000"/>
-              </a:schemeClr>
-            </a:solidFill>
-            <a:prstDash val="sysDot"/>
-            <a:headEnd type="none" w="med" len="med"/>
-            <a:tailEnd type="arrow" w="med" len="med"/>
-          </a:ln>
-          <a:effectLst/>
-        </p:spPr>
-        <p:style>
-          <a:lnRef idx="1">
-            <a:schemeClr val="accent2"/>
-          </a:lnRef>
-          <a:fillRef idx="2">
-            <a:schemeClr val="accent2"/>
-          </a:fillRef>
-          <a:effectRef idx="1">
-            <a:schemeClr val="accent2"/>
-          </a:effectRef>
-          <a:fontRef idx="minor">
-            <a:schemeClr val="dk1"/>
-          </a:fontRef>
-        </p:style>
-      </p:cxnSp>
-      <p:cxnSp>
-        <p:nvCxnSpPr>
-          <p:cNvPr id="104" name="Elbow Connector 12"/>
-          <p:cNvCxnSpPr>
-            <a:cxnSpLocks/>
-            <a:stCxn id="42" idx="3"/>
-          </p:cNvCxnSpPr>
-          <p:nvPr/>
-        </p:nvCxnSpPr>
-        <p:spPr>
-          <a:xfrm rot="10800000" flipV="1">
-            <a:off x="3930422" y="2914191"/>
-            <a:ext cx="1143921" cy="439870"/>
-          </a:xfrm>
-          <a:prstGeom prst="bentConnector3">
-            <a:avLst>
-              <a:gd name="adj1" fmla="val 50000"/>
-            </a:avLst>
-          </a:prstGeom>
-          <a:ln w="19050">
-            <a:solidFill>
-              <a:schemeClr val="accent5">
-                <a:lumMod val="60000"/>
-                <a:lumOff val="40000"/>
-              </a:schemeClr>
-            </a:solidFill>
-            <a:prstDash val="sysDot"/>
-            <a:headEnd type="none" w="med" len="med"/>
-            <a:tailEnd type="arrow" w="med" len="med"/>
-          </a:ln>
-          <a:effectLst/>
-        </p:spPr>
-        <p:style>
-          <a:lnRef idx="1">
-            <a:schemeClr val="accent2"/>
-          </a:lnRef>
-          <a:fillRef idx="2">
-            <a:schemeClr val="accent2"/>
-          </a:fillRef>
-          <a:effectRef idx="1">
-            <a:schemeClr val="accent2"/>
-          </a:effectRef>
-          <a:fontRef idx="minor">
-            <a:schemeClr val="dk1"/>
-          </a:fontRef>
-        </p:style>
-      </p:cxnSp>
-      <p:cxnSp>
-        <p:nvCxnSpPr>
-          <p:cNvPr id="51" name="Elbow Connector 50"/>
-          <p:cNvCxnSpPr>
-            <a:stCxn id="16" idx="3"/>
             <a:endCxn id="42" idx="2"/>
           </p:cNvCxnSpPr>
           <p:nvPr/>
         </p:nvCxnSpPr>
         <p:spPr>
           <a:xfrm flipV="1">
-            <a:off x="4300741" y="3087571"/>
-            <a:ext cx="1269594" cy="659673"/>
-          </a:xfrm>
-          <a:prstGeom prst="bentConnector2">
+            <a:off x="3804748" y="2864845"/>
+            <a:ext cx="0" cy="679200"/>
+          </a:xfrm>
+          <a:prstGeom prst="straightConnector1">
             <a:avLst/>
           </a:prstGeom>
           <a:ln w="19050">
@@ -6087,11 +5337,11 @@
           <p:nvPr/>
         </p:nvCxnSpPr>
         <p:spPr>
-          <a:xfrm rot="16200000" flipH="1">
-            <a:off x="5451193" y="2621669"/>
-            <a:ext cx="234926" cy="3358"/>
-          </a:xfrm>
-          <a:prstGeom prst="bentConnector3">
+          <a:xfrm>
+            <a:off x="3801390" y="2283159"/>
+            <a:ext cx="3358" cy="234926"/>
+          </a:xfrm>
+          <a:prstGeom prst="straightConnector1">
             <a:avLst/>
           </a:prstGeom>
           <a:ln>
@@ -6126,7 +5376,7 @@
         </p:nvSpPr>
         <p:spPr>
           <a:xfrm>
-            <a:off x="6263130" y="1981200"/>
+            <a:off x="4967241" y="1735212"/>
             <a:ext cx="1276614" cy="630473"/>
           </a:xfrm>
           <a:prstGeom prst="foldedCorner">
@@ -6165,7 +5415,7 @@
           <a:p>
             <a:pPr algn="ctr"/>
             <a:r>
-              <a:rPr lang="en-US" sz="1050" dirty="0" err="1" smtClean="0">
+              <a:rPr lang="en-US" sz="1050" dirty="0" err="1">
                 <a:solidFill>
                   <a:schemeClr val="bg1"/>
                 </a:solidFill>
@@ -6173,7 +5423,7 @@
               <a:t>XYZCommand</a:t>
             </a:r>
             <a:r>
-              <a:rPr lang="en-US" sz="1050" dirty="0" smtClean="0">
+              <a:rPr lang="en-US" sz="1050" dirty="0">
                 <a:solidFill>
                   <a:schemeClr val="bg1"/>
                 </a:solidFill>
@@ -6181,7 +5431,7 @@
               <a:t> = </a:t>
             </a:r>
             <a:r>
-              <a:rPr lang="en-US" sz="1050" dirty="0" err="1" smtClean="0">
+              <a:rPr lang="en-US" sz="1050" dirty="0" err="1">
                 <a:solidFill>
                   <a:schemeClr val="bg1"/>
                 </a:solidFill>
@@ -6189,7 +5439,7 @@
               <a:t>AddCommand</a:t>
             </a:r>
             <a:r>
-              <a:rPr lang="en-US" sz="1050" dirty="0" smtClean="0">
+              <a:rPr lang="en-US" sz="1050" dirty="0">
                 <a:solidFill>
                   <a:schemeClr val="bg1"/>
                 </a:solidFill>
@@ -6197,7 +5447,7 @@
               <a:t>, </a:t>
             </a:r>
             <a:r>
-              <a:rPr lang="en-US" sz="1050" dirty="0" err="1" smtClean="0">
+              <a:rPr lang="en-US" sz="1050" dirty="0" err="1">
                 <a:solidFill>
                   <a:schemeClr val="bg1"/>
                 </a:solidFill>
@@ -6205,18 +5455,13 @@
               <a:t>FindCommand</a:t>
             </a:r>
             <a:r>
-              <a:rPr lang="en-US" sz="1050" dirty="0" smtClean="0">
+              <a:rPr lang="en-US" sz="1050" dirty="0">
                 <a:solidFill>
                   <a:schemeClr val="bg1"/>
                 </a:solidFill>
               </a:rPr>
               <a:t>, etc.</a:t>
             </a:r>
-            <a:endParaRPr lang="en-US" sz="1050" dirty="0">
-              <a:solidFill>
-                <a:schemeClr val="bg1"/>
-              </a:solidFill>
-            </a:endParaRPr>
           </a:p>
         </p:txBody>
       </p:sp>
